--- a/报告PPT.pptx
+++ b/报告PPT.pptx
@@ -5,10 +5,10 @@
     <p:sldMasterId id="2147483648" r:id="rId1"/>
   </p:sldMasterIdLst>
   <p:notesMasterIdLst>
-    <p:notesMasterId r:id="rId11"/>
+    <p:notesMasterId r:id="rId12"/>
   </p:notesMasterIdLst>
   <p:handoutMasterIdLst>
-    <p:handoutMasterId r:id="rId12"/>
+    <p:handoutMasterId r:id="rId13"/>
   </p:handoutMasterIdLst>
   <p:sldIdLst>
     <p:sldId id="259" r:id="rId2"/>
@@ -19,7 +19,8 @@
     <p:sldId id="305" r:id="rId7"/>
     <p:sldId id="306" r:id="rId8"/>
     <p:sldId id="302" r:id="rId9"/>
-    <p:sldId id="281" r:id="rId10"/>
+    <p:sldId id="307" r:id="rId10"/>
+    <p:sldId id="281" r:id="rId11"/>
   </p:sldIdLst>
   <p:sldSz cx="12192000" cy="6858000"/>
   <p:notesSz cx="6858000" cy="9144000"/>
@@ -1181,6 +1182,118 @@
             <a:fld id="{F6DE8F2A-B3D4-43F2-B39B-CD77F64A1950}" type="slidenum">
               <a:rPr lang="en-US" altLang="zh-CN" smtClean="0"/>
               <a:t>7</a:t>
+            </a:fld>
+            <a:endParaRPr lang="zh-CN" altLang="en-US"/>
+          </a:p>
+        </p:txBody>
+      </p:sp>
+    </p:spTree>
+    <p:extLst>
+      <p:ext uri="{BB962C8B-B14F-4D97-AF65-F5344CB8AC3E}">
+        <p14:creationId xmlns:p14="http://schemas.microsoft.com/office/powerpoint/2010/main" val="1197728678"/>
+      </p:ext>
+    </p:extLst>
+  </p:cSld>
+  <p:clrMapOvr>
+    <a:masterClrMapping/>
+  </p:clrMapOvr>
+</p:notes>
+</file>
+
+<file path=ppt/notesSlides/notesSlide6.xml><?xml version="1.0" encoding="utf-8"?>
+<p:notes xmlns:a="http://schemas.openxmlformats.org/drawingml/2006/main" xmlns:r="http://schemas.openxmlformats.org/officeDocument/2006/relationships" xmlns:p="http://schemas.openxmlformats.org/presentationml/2006/main">
+  <p:cSld>
+    <p:spTree>
+      <p:nvGrpSpPr>
+        <p:cNvPr id="1" name=""/>
+        <p:cNvGrpSpPr/>
+        <p:nvPr/>
+      </p:nvGrpSpPr>
+      <p:grpSpPr>
+        <a:xfrm>
+          <a:off x="0" y="0"/>
+          <a:ext cx="0" cy="0"/>
+          <a:chOff x="0" y="0"/>
+          <a:chExt cx="0" cy="0"/>
+        </a:xfrm>
+      </p:grpSpPr>
+      <p:sp>
+        <p:nvSpPr>
+          <p:cNvPr id="2" name="幻灯片图像占位符 1"/>
+          <p:cNvSpPr>
+            <a:spLocks noGrp="1" noRot="1" noChangeAspect="1"/>
+          </p:cNvSpPr>
+          <p:nvPr>
+            <p:ph type="sldImg"/>
+          </p:nvPr>
+        </p:nvSpPr>
+        <p:spPr/>
+      </p:sp>
+      <p:sp>
+        <p:nvSpPr>
+          <p:cNvPr id="3" name="备注占位符 2"/>
+          <p:cNvSpPr>
+            <a:spLocks noGrp="1"/>
+          </p:cNvSpPr>
+          <p:nvPr>
+            <p:ph type="body" idx="1"/>
+          </p:nvPr>
+        </p:nvSpPr>
+        <p:spPr/>
+        <p:txBody>
+          <a:bodyPr rtlCol="0"/>
+          <a:lstStyle/>
+          <a:p>
+            <a:pPr marL="0" marR="0" lvl="0" indent="0" algn="l" defTabSz="914400" rtl="0" eaLnBrk="1" fontAlgn="auto" latinLnBrk="0" hangingPunct="1">
+              <a:lnSpc>
+                <a:spcPct val="100000"/>
+              </a:lnSpc>
+              <a:spcBef>
+                <a:spcPts val="0"/>
+              </a:spcBef>
+              <a:spcAft>
+                <a:spcPts val="0"/>
+              </a:spcAft>
+              <a:buClrTx/>
+              <a:buSzTx/>
+              <a:buFontTx/>
+              <a:buNone/>
+              <a:defRPr/>
+            </a:pPr>
+            <a:r>
+              <a:rPr lang="zh-CN" altLang="en-US" sz="1200" dirty="0"/>
+              <a:t>流体（石油、天然气、水等）输运终端管网存在流体漏失、流体偷盗、流体浪费、管网合理运维等诸多亟待解决的问题。目前主干线管网智慧化研究相对成熟，而终端管网的智慧化研究尚处于起步阶段。前期以私人住宅内的供水终端管网为研究对象，已提出了供水终端管网漏失在线监控技术，可为其它场景的供水终端管网、以及其它流体输运终端管网漏失在线监控提供思路，进一步为各种流体（石油、天然气、水等）输运终端管网的流体偷盗、流体浪费、管网合理运维等在线监控提供指导。并已开发了多套供水终端管网漏失在线监控仪，且已在现场安装试点，为流体输运终端管网运行的大数据分析和人工智能检测提供研究数据，另外也已初步开发了手机</a:t>
+            </a:r>
+            <a:r>
+              <a:rPr lang="en-US" altLang="zh-CN" sz="1200" dirty="0"/>
+              <a:t>APP</a:t>
+            </a:r>
+            <a:r>
+              <a:rPr lang="zh-CN" altLang="en-US" sz="1200" dirty="0"/>
+              <a:t>和云管理平台。本项目在此基础上，深化流体输运终端管网智慧化研究，研究内容主要包括：终端管网漏失在线监控，终端管网浪费使用在线识别，终端管网偷盗在线侦查，终端管网压力调节，终端管网与市政管网协调等。 </a:t>
+            </a:r>
+          </a:p>
+        </p:txBody>
+      </p:sp>
+      <p:sp>
+        <p:nvSpPr>
+          <p:cNvPr id="4" name="幻灯片编号占位符 3"/>
+          <p:cNvSpPr>
+            <a:spLocks noGrp="1"/>
+          </p:cNvSpPr>
+          <p:nvPr>
+            <p:ph type="sldNum" sz="quarter" idx="5"/>
+          </p:nvPr>
+        </p:nvSpPr>
+        <p:spPr/>
+        <p:txBody>
+          <a:bodyPr rtlCol="0"/>
+          <a:lstStyle/>
+          <a:p>
+            <a:pPr rtl="0"/>
+            <a:fld id="{F6DE8F2A-B3D4-43F2-B39B-CD77F64A1950}" type="slidenum">
+              <a:rPr lang="en-US" altLang="zh-CN" smtClean="0"/>
+              <a:t>9</a:t>
             </a:fld>
             <a:endParaRPr lang="zh-CN" altLang="en-US"/>
           </a:p>
@@ -11341,6 +11454,145 @@
 </p:sld>
 </file>
 
+<file path=ppt/slides/slide10.xml><?xml version="1.0" encoding="utf-8"?>
+<p:sld xmlns:a="http://schemas.openxmlformats.org/drawingml/2006/main" xmlns:r="http://schemas.openxmlformats.org/officeDocument/2006/relationships" xmlns:p="http://schemas.openxmlformats.org/presentationml/2006/main">
+  <p:cSld>
+    <p:spTree>
+      <p:nvGrpSpPr>
+        <p:cNvPr id="1" name=""/>
+        <p:cNvGrpSpPr/>
+        <p:nvPr/>
+      </p:nvGrpSpPr>
+      <p:grpSpPr>
+        <a:xfrm>
+          <a:off x="0" y="0"/>
+          <a:ext cx="0" cy="0"/>
+          <a:chOff x="0" y="0"/>
+          <a:chExt cx="0" cy="0"/>
+        </a:xfrm>
+      </p:grpSpPr>
+      <p:pic>
+        <p:nvPicPr>
+          <p:cNvPr id="6" name="图片占位符 5"/>
+          <p:cNvPicPr>
+            <a:picLocks noGrp="1" noChangeAspect="1"/>
+          </p:cNvPicPr>
+          <p:nvPr>
+            <p:ph type="pic" sz="quarter" idx="10"/>
+          </p:nvPr>
+        </p:nvPicPr>
+        <p:blipFill rotWithShape="1">
+          <a:blip r:embed="rId2"/>
+          <a:srcRect l="814" t="2858" r="20782" b="-2858"/>
+          <a:stretch>
+            <a:fillRect/>
+          </a:stretch>
+        </p:blipFill>
+        <p:spPr>
+          <a:xfrm>
+            <a:off x="123992" y="124953"/>
+            <a:ext cx="11944014" cy="4372387"/>
+          </a:xfrm>
+        </p:spPr>
+      </p:pic>
+      <p:sp>
+        <p:nvSpPr>
+          <p:cNvPr id="3" name="副标题 2"/>
+          <p:cNvSpPr>
+            <a:spLocks noGrp="1"/>
+          </p:cNvSpPr>
+          <p:nvPr>
+            <p:ph type="subTitle" idx="1"/>
+          </p:nvPr>
+        </p:nvSpPr>
+        <p:spPr>
+          <a:xfrm>
+            <a:off x="694871" y="5603181"/>
+            <a:ext cx="9144000" cy="424732"/>
+          </a:xfrm>
+        </p:spPr>
+        <p:txBody>
+          <a:bodyPr/>
+          <a:lstStyle/>
+          <a:p>
+            <a:r>
+              <a:rPr lang="zh-CN" altLang="en-US" sz="2400" spc="300" dirty="0"/>
+              <a:t>请老师批评指正</a:t>
+            </a:r>
+          </a:p>
+        </p:txBody>
+      </p:sp>
+      <p:sp>
+        <p:nvSpPr>
+          <p:cNvPr id="4" name="标题 3"/>
+          <p:cNvSpPr>
+            <a:spLocks noGrp="1"/>
+          </p:cNvSpPr>
+          <p:nvPr>
+            <p:ph type="ctrTitle"/>
+          </p:nvPr>
+        </p:nvSpPr>
+        <p:spPr>
+          <a:xfrm>
+            <a:off x="694871" y="4762951"/>
+            <a:ext cx="10607040" cy="840230"/>
+          </a:xfrm>
+        </p:spPr>
+        <p:txBody>
+          <a:bodyPr/>
+          <a:lstStyle/>
+          <a:p>
+            <a:r>
+              <a:rPr lang="zh-CN" altLang="en-US" sz="5400" spc="600" dirty="0"/>
+              <a:t>感谢聆听</a:t>
+            </a:r>
+          </a:p>
+        </p:txBody>
+      </p:sp>
+      <p:pic>
+        <p:nvPicPr>
+          <p:cNvPr id="7" name="图片 6"/>
+          <p:cNvPicPr>
+            <a:picLocks noChangeAspect="1"/>
+          </p:cNvPicPr>
+          <p:nvPr/>
+        </p:nvPicPr>
+        <p:blipFill>
+          <a:blip r:embed="rId3"/>
+          <a:stretch>
+            <a:fillRect/>
+          </a:stretch>
+        </p:blipFill>
+        <p:spPr>
+          <a:xfrm>
+            <a:off x="9057991" y="472515"/>
+            <a:ext cx="2624421" cy="646331"/>
+          </a:xfrm>
+          <a:prstGeom prst="rect">
+            <a:avLst/>
+          </a:prstGeom>
+        </p:spPr>
+      </p:pic>
+    </p:spTree>
+  </p:cSld>
+  <p:clrMapOvr>
+    <a:masterClrMapping/>
+  </p:clrMapOvr>
+  <mc:AlternateContent xmlns:mc="http://schemas.openxmlformats.org/markup-compatibility/2006" xmlns:p15="http://schemas.microsoft.com/office/powerpoint/2012/main">
+    <mc:Choice Requires="p15">
+      <p:transition spd="slow">
+        <p15:prstTrans prst="pageCurlSingle"/>
+      </p:transition>
+    </mc:Choice>
+    <mc:Fallback xmlns="">
+      <p:transition spd="slow">
+        <p:fade/>
+      </p:transition>
+    </mc:Fallback>
+  </mc:AlternateContent>
+</p:sld>
+</file>
+
 <file path=ppt/slides/slide2.xml><?xml version="1.0" encoding="utf-8"?>
 <p:sld xmlns:a="http://schemas.openxmlformats.org/drawingml/2006/main" xmlns:r="http://schemas.openxmlformats.org/officeDocument/2006/relationships" xmlns:p="http://schemas.openxmlformats.org/presentationml/2006/main">
   <p:cSld>
@@ -12248,13 +12500,13 @@
   <p:clrMapOvr>
     <a:masterClrMapping/>
   </p:clrMapOvr>
-  <mc:AlternateContent xmlns:mc="http://schemas.openxmlformats.org/markup-compatibility/2006">
-    <mc:Choice xmlns:p15="http://schemas.microsoft.com/office/powerpoint/2012/main" Requires="p15">
+  <mc:AlternateContent xmlns:mc="http://schemas.openxmlformats.org/markup-compatibility/2006" xmlns:p15="http://schemas.microsoft.com/office/powerpoint/2012/main">
+    <mc:Choice Requires="p15">
       <p:transition spd="slow">
         <p15:prstTrans prst="pageCurlSingle"/>
       </p:transition>
     </mc:Choice>
-    <mc:Fallback>
+    <mc:Fallback xmlns="">
       <p:transition spd="slow">
         <p:fade/>
       </p:transition>
@@ -12605,13 +12857,13 @@
   <p:clrMapOvr>
     <a:masterClrMapping/>
   </p:clrMapOvr>
-  <mc:AlternateContent xmlns:mc="http://schemas.openxmlformats.org/markup-compatibility/2006">
-    <mc:Choice xmlns:p15="http://schemas.microsoft.com/office/powerpoint/2012/main" Requires="p15">
+  <mc:AlternateContent xmlns:mc="http://schemas.openxmlformats.org/markup-compatibility/2006" xmlns:p15="http://schemas.microsoft.com/office/powerpoint/2012/main">
+    <mc:Choice Requires="p15">
       <p:transition spd="slow">
         <p15:prstTrans prst="pageCurlSingle"/>
       </p:transition>
     </mc:Choice>
-    <mc:Fallback>
+    <mc:Fallback xmlns="">
       <p:transition spd="slow">
         <p:fade/>
       </p:transition>
@@ -12972,13 +13224,13 @@
   <p:clrMapOvr>
     <a:masterClrMapping/>
   </p:clrMapOvr>
-  <mc:AlternateContent xmlns:mc="http://schemas.openxmlformats.org/markup-compatibility/2006">
-    <mc:Choice xmlns:p15="http://schemas.microsoft.com/office/powerpoint/2012/main" Requires="p15">
+  <mc:AlternateContent xmlns:mc="http://schemas.openxmlformats.org/markup-compatibility/2006" xmlns:p15="http://schemas.microsoft.com/office/powerpoint/2012/main">
+    <mc:Choice Requires="p15">
       <p:transition spd="slow">
         <p15:prstTrans prst="pageCurlSingle"/>
       </p:transition>
     </mc:Choice>
-    <mc:Fallback>
+    <mc:Fallback xmlns="">
       <p:transition spd="slow">
         <p:fade/>
       </p:transition>
@@ -13201,13 +13453,13 @@
   <p:clrMapOvr>
     <a:masterClrMapping/>
   </p:clrMapOvr>
-  <mc:AlternateContent xmlns:mc="http://schemas.openxmlformats.org/markup-compatibility/2006">
-    <mc:Choice xmlns:p15="http://schemas.microsoft.com/office/powerpoint/2012/main" Requires="p15">
+  <mc:AlternateContent xmlns:mc="http://schemas.openxmlformats.org/markup-compatibility/2006" xmlns:p15="http://schemas.microsoft.com/office/powerpoint/2012/main">
+    <mc:Choice Requires="p15">
       <p:transition spd="slow">
         <p15:prstTrans prst="pageCurlSingle"/>
       </p:transition>
     </mc:Choice>
-    <mc:Fallback>
+    <mc:Fallback xmlns="">
       <p:transition spd="slow">
         <p:fade/>
       </p:transition>
@@ -13233,80 +13485,29 @@
           <a:chExt cx="0" cy="0"/>
         </a:xfrm>
       </p:grpSpPr>
-      <p:pic>
-        <p:nvPicPr>
-          <p:cNvPr id="6" name="图片占位符 5"/>
-          <p:cNvPicPr>
-            <a:picLocks noGrp="1" noChangeAspect="1"/>
-          </p:cNvPicPr>
-          <p:nvPr>
-            <p:ph type="pic" sz="quarter" idx="10"/>
-          </p:nvPr>
-        </p:nvPicPr>
-        <p:blipFill rotWithShape="1">
-          <a:blip r:embed="rId2"/>
-          <a:srcRect l="814" t="2858" r="20782" b="-2858"/>
-          <a:stretch>
-            <a:fillRect/>
-          </a:stretch>
-        </p:blipFill>
-        <p:spPr>
-          <a:xfrm>
-            <a:off x="123992" y="124953"/>
-            <a:ext cx="11944014" cy="4372387"/>
-          </a:xfrm>
-        </p:spPr>
-      </p:pic>
-      <p:sp>
-        <p:nvSpPr>
-          <p:cNvPr id="3" name="副标题 2"/>
+      <p:sp>
+        <p:nvSpPr>
+          <p:cNvPr id="10" name="标题 9"/>
           <p:cNvSpPr>
             <a:spLocks noGrp="1"/>
           </p:cNvSpPr>
           <p:nvPr>
-            <p:ph type="subTitle" idx="1"/>
+            <p:ph type="title"/>
           </p:nvPr>
         </p:nvSpPr>
         <p:spPr>
           <a:xfrm>
-            <a:off x="694871" y="5603181"/>
-            <a:ext cx="9144000" cy="424732"/>
-          </a:xfrm>
-        </p:spPr>
-        <p:txBody>
-          <a:bodyPr/>
+            <a:off x="446314" y="500215"/>
+            <a:ext cx="11174186" cy="590931"/>
+          </a:xfrm>
+        </p:spPr>
+        <p:txBody>
+          <a:bodyPr rtlCol="0"/>
           <a:lstStyle/>
           <a:p>
             <a:r>
-              <a:rPr lang="zh-CN" altLang="en-US" sz="2400" spc="300" dirty="0"/>
-              <a:t>请老师批评指正</a:t>
-            </a:r>
-          </a:p>
-        </p:txBody>
-      </p:sp>
-      <p:sp>
-        <p:nvSpPr>
-          <p:cNvPr id="4" name="标题 3"/>
-          <p:cNvSpPr>
-            <a:spLocks noGrp="1"/>
-          </p:cNvSpPr>
-          <p:nvPr>
-            <p:ph type="ctrTitle"/>
-          </p:nvPr>
-        </p:nvSpPr>
-        <p:spPr>
-          <a:xfrm>
-            <a:off x="694871" y="4762951"/>
-            <a:ext cx="10607040" cy="840230"/>
-          </a:xfrm>
-        </p:spPr>
-        <p:txBody>
-          <a:bodyPr/>
-          <a:lstStyle/>
-          <a:p>
-            <a:r>
-              <a:rPr lang="zh-CN" altLang="en-US" sz="5400" spc="600" dirty="0"/>
-              <a:t>感谢聆听</a:t>
+              <a:rPr lang="zh-CN" altLang="en-US" dirty="0"/>
+              <a:t>功能展示</a:t>
             </a:r>
           </a:p>
         </p:txBody>
@@ -13335,18 +13536,183 @@
           </a:prstGeom>
         </p:spPr>
       </p:pic>
+      <p:sp>
+        <p:nvSpPr>
+          <p:cNvPr id="3" name="矩形 2">
+            <a:extLst>
+              <a:ext uri="{FF2B5EF4-FFF2-40B4-BE49-F238E27FC236}">
+                <a16:creationId xmlns:a16="http://schemas.microsoft.com/office/drawing/2014/main" id="{6DAC5406-8994-4DD6-B167-8837EA439462}"/>
+              </a:ext>
+            </a:extLst>
+          </p:cNvPr>
+          <p:cNvSpPr/>
+          <p:nvPr/>
+        </p:nvSpPr>
+        <p:spPr>
+          <a:xfrm>
+            <a:off x="446314" y="1536174"/>
+            <a:ext cx="11051041" cy="3350084"/>
+          </a:xfrm>
+          <a:prstGeom prst="rect">
+            <a:avLst/>
+          </a:prstGeom>
+        </p:spPr>
+        <p:txBody>
+          <a:bodyPr wrap="square">
+            <a:spAutoFit/>
+          </a:bodyPr>
+          <a:lstStyle/>
+          <a:p>
+            <a:pPr marL="342900" indent="-342900">
+              <a:lnSpc>
+                <a:spcPct val="150000"/>
+              </a:lnSpc>
+              <a:buFont typeface="Arial" panose="020B0604020202020204" pitchFamily="34" charset="0"/>
+              <a:buChar char="•"/>
+            </a:pPr>
+            <a:r>
+              <a:rPr lang="zh-CN" altLang="en-US" sz="2400" dirty="0">
+                <a:solidFill>
+                  <a:srgbClr val="0C596D"/>
+                </a:solidFill>
+              </a:rPr>
+              <a:t>用户的登录和注销</a:t>
+            </a:r>
+            <a:endParaRPr lang="en-US" altLang="zh-CN" sz="2400" dirty="0">
+              <a:solidFill>
+                <a:srgbClr val="0C596D"/>
+              </a:solidFill>
+            </a:endParaRPr>
+          </a:p>
+          <a:p>
+            <a:pPr marL="342900" indent="-342900">
+              <a:lnSpc>
+                <a:spcPct val="150000"/>
+              </a:lnSpc>
+              <a:buFont typeface="Arial" panose="020B0604020202020204" pitchFamily="34" charset="0"/>
+              <a:buChar char="•"/>
+            </a:pPr>
+            <a:r>
+              <a:rPr lang="zh-CN" altLang="en-US" sz="2400" dirty="0">
+                <a:solidFill>
+                  <a:srgbClr val="0C596D"/>
+                </a:solidFill>
+              </a:rPr>
+              <a:t>线路产品的列表展示、添加、关闭、多项删除和多表关联详情展示</a:t>
+            </a:r>
+            <a:endParaRPr lang="en-US" altLang="zh-CN" sz="2400" dirty="0">
+              <a:solidFill>
+                <a:srgbClr val="0C596D"/>
+              </a:solidFill>
+            </a:endParaRPr>
+          </a:p>
+          <a:p>
+            <a:pPr marL="342900" indent="-342900">
+              <a:lnSpc>
+                <a:spcPct val="150000"/>
+              </a:lnSpc>
+              <a:buFont typeface="Arial" panose="020B0604020202020204" pitchFamily="34" charset="0"/>
+              <a:buChar char="•"/>
+            </a:pPr>
+            <a:r>
+              <a:rPr lang="zh-CN" altLang="en-US" sz="2400" dirty="0">
+                <a:solidFill>
+                  <a:srgbClr val="0C596D"/>
+                </a:solidFill>
+              </a:rPr>
+              <a:t>订单信息的列表展示、添加、删除和多表关联详情展示</a:t>
+            </a:r>
+            <a:endParaRPr lang="en-US" altLang="zh-CN" sz="2400" dirty="0">
+              <a:solidFill>
+                <a:srgbClr val="0C596D"/>
+              </a:solidFill>
+            </a:endParaRPr>
+          </a:p>
+          <a:p>
+            <a:pPr marL="342900" indent="-342900">
+              <a:lnSpc>
+                <a:spcPct val="150000"/>
+              </a:lnSpc>
+              <a:buFont typeface="Arial" panose="020B0604020202020204" pitchFamily="34" charset="0"/>
+              <a:buChar char="•"/>
+            </a:pPr>
+            <a:r>
+              <a:rPr lang="zh-CN" altLang="en-US" sz="2400" dirty="0">
+                <a:solidFill>
+                  <a:srgbClr val="0C596D"/>
+                </a:solidFill>
+              </a:rPr>
+              <a:t>订单的审核、添加乘客、产品反馈和关闭</a:t>
+            </a:r>
+            <a:endParaRPr lang="en-US" altLang="zh-CN" sz="2400" dirty="0">
+              <a:solidFill>
+                <a:srgbClr val="0C596D"/>
+              </a:solidFill>
+            </a:endParaRPr>
+          </a:p>
+          <a:p>
+            <a:pPr marL="342900" indent="-342900">
+              <a:lnSpc>
+                <a:spcPct val="150000"/>
+              </a:lnSpc>
+              <a:buFont typeface="Arial" panose="020B0604020202020204" pitchFamily="34" charset="0"/>
+              <a:buChar char="•"/>
+            </a:pPr>
+            <a:r>
+              <a:rPr lang="zh-CN" altLang="en-US" sz="2400" dirty="0">
+                <a:solidFill>
+                  <a:srgbClr val="0C596D"/>
+                </a:solidFill>
+              </a:rPr>
+              <a:t>乘客的列表展示和添加</a:t>
+            </a:r>
+            <a:endParaRPr lang="en-US" altLang="zh-CN" sz="2400" dirty="0">
+              <a:solidFill>
+                <a:srgbClr val="0C596D"/>
+              </a:solidFill>
+            </a:endParaRPr>
+          </a:p>
+          <a:p>
+            <a:pPr marL="342900" indent="-342900">
+              <a:lnSpc>
+                <a:spcPct val="150000"/>
+              </a:lnSpc>
+              <a:buFont typeface="Arial" panose="020B0604020202020204" pitchFamily="34" charset="0"/>
+              <a:buChar char="•"/>
+            </a:pPr>
+            <a:r>
+              <a:rPr lang="zh-CN" altLang="en-US" sz="2400" dirty="0">
+                <a:solidFill>
+                  <a:srgbClr val="0C596D"/>
+                </a:solidFill>
+              </a:rPr>
+              <a:t>导游信息和酒店信息的列表展示</a:t>
+            </a:r>
+            <a:endParaRPr lang="en-US" altLang="zh-CN" sz="2400" dirty="0">
+              <a:solidFill>
+                <a:srgbClr val="0C596D"/>
+              </a:solidFill>
+            </a:endParaRPr>
+          </a:p>
+        </p:txBody>
+      </p:sp>
     </p:spTree>
+    <p:extLst>
+      <p:ext uri="{BB962C8B-B14F-4D97-AF65-F5344CB8AC3E}">
+        <p14:creationId xmlns:p14="http://schemas.microsoft.com/office/powerpoint/2010/main" val="3970641362"/>
+      </p:ext>
+    </p:extLst>
   </p:cSld>
   <p:clrMapOvr>
     <a:masterClrMapping/>
   </p:clrMapOvr>
-  <mc:AlternateContent xmlns:mc="http://schemas.openxmlformats.org/markup-compatibility/2006" xmlns:p15="http://schemas.microsoft.com/office/powerpoint/2012/main">
-    <mc:Choice Requires="p15">
+  <mc:AlternateContent xmlns:mc="http://schemas.openxmlformats.org/markup-compatibility/2006">
+    <mc:Choice xmlns:p15="http://schemas.microsoft.com/office/powerpoint/2012/main" Requires="p15">
       <p:transition spd="slow">
         <p15:prstTrans prst="pageCurlSingle"/>
       </p:transition>
     </mc:Choice>
-    <mc:Fallback xmlns="">
+    <mc:Fallback>
       <p:transition spd="slow">
         <p:fade/>
       </p:transition>
